--- a/images/teaser.pptx
+++ b/images/teaser.pptx
@@ -104,6 +104,11 @@
       </a:defRPr>
     </a:lvl9pPr>
   </p:defaultTextStyle>
+  <p:extLst>
+    <p:ext uri="{EFAFB233-063F-42B5-8137-9DF3F51BA10A}">
+      <p15:sldGuideLst xmlns:p15="http://schemas.microsoft.com/office/powerpoint/2012/main"/>
+    </p:ext>
+  </p:extLst>
 </p:presentation>
 </file>
 
@@ -3321,36 +3326,184 @@
           <a:chExt cx="0" cy="0"/>
         </a:xfrm>
       </p:grpSpPr>
-      <p:pic>
-        <p:nvPicPr>
-          <p:cNvPr id="3" name="Picture 2">
-            <a:extLst>
-              <a:ext uri="{FF2B5EF4-FFF2-40B4-BE49-F238E27FC236}">
-                <a16:creationId xmlns:a16="http://schemas.microsoft.com/office/drawing/2014/main" id="{22D69AF5-8197-47A4-9D63-E7358A272E42}"/>
-              </a:ext>
-            </a:extLst>
-          </p:cNvPr>
-          <p:cNvPicPr>
-            <a:picLocks noChangeAspect="1"/>
-          </p:cNvPicPr>
+      <p:grpSp>
+        <p:nvGrpSpPr>
+          <p:cNvPr id="4" name="Group 3">
+            <a:extLst>
+              <a:ext uri="{FF2B5EF4-FFF2-40B4-BE49-F238E27FC236}">
+                <a16:creationId xmlns:a16="http://schemas.microsoft.com/office/drawing/2014/main" id="{F9A35984-E483-4413-8E05-D51466E26EE9}"/>
+              </a:ext>
+            </a:extLst>
+          </p:cNvPr>
+          <p:cNvGrpSpPr/>
           <p:nvPr/>
-        </p:nvPicPr>
-        <p:blipFill>
-          <a:blip r:embed="rId2"/>
-          <a:stretch>
-            <a:fillRect/>
-          </a:stretch>
-        </p:blipFill>
-        <p:spPr>
+        </p:nvGrpSpPr>
+        <p:grpSpPr>
           <a:xfrm>
             <a:off x="903137" y="1310325"/>
             <a:ext cx="4485469" cy="1643064"/>
+            <a:chOff x="903137" y="1310325"/>
+            <a:chExt cx="4485469" cy="1643064"/>
           </a:xfrm>
-          <a:prstGeom prst="rect">
-            <a:avLst/>
-          </a:prstGeom>
-        </p:spPr>
-      </p:pic>
+        </p:grpSpPr>
+        <p:pic>
+          <p:nvPicPr>
+            <p:cNvPr id="3" name="Picture 2">
+              <a:extLst>
+                <a:ext uri="{FF2B5EF4-FFF2-40B4-BE49-F238E27FC236}">
+                  <a16:creationId xmlns:a16="http://schemas.microsoft.com/office/drawing/2014/main" id="{22D69AF5-8197-47A4-9D63-E7358A272E42}"/>
+                </a:ext>
+              </a:extLst>
+            </p:cNvPr>
+            <p:cNvPicPr>
+              <a:picLocks noChangeAspect="1"/>
+            </p:cNvPicPr>
+            <p:nvPr/>
+          </p:nvPicPr>
+          <p:blipFill>
+            <a:blip r:embed="rId2"/>
+            <a:stretch>
+              <a:fillRect/>
+            </a:stretch>
+          </p:blipFill>
+          <p:spPr>
+            <a:xfrm>
+              <a:off x="903137" y="1310325"/>
+              <a:ext cx="4485469" cy="1643064"/>
+            </a:xfrm>
+            <a:prstGeom prst="rect">
+              <a:avLst/>
+            </a:prstGeom>
+          </p:spPr>
+        </p:pic>
+        <p:sp>
+          <p:nvSpPr>
+            <p:cNvPr id="2" name="TextBox 1">
+              <a:extLst>
+                <a:ext uri="{FF2B5EF4-FFF2-40B4-BE49-F238E27FC236}">
+                  <a16:creationId xmlns:a16="http://schemas.microsoft.com/office/drawing/2014/main" id="{1EF0BE20-4025-4E3A-830B-AE1AF46B9B30}"/>
+                </a:ext>
+              </a:extLst>
+            </p:cNvPr>
+            <p:cNvSpPr txBox="1"/>
+            <p:nvPr/>
+          </p:nvSpPr>
+          <p:spPr>
+            <a:xfrm>
+              <a:off x="4162308" y="2645612"/>
+              <a:ext cx="1226298" cy="307777"/>
+            </a:xfrm>
+            <a:prstGeom prst="rect">
+              <a:avLst/>
+            </a:prstGeom>
+            <a:solidFill>
+              <a:schemeClr val="bg1"/>
+            </a:solidFill>
+          </p:spPr>
+          <p:txBody>
+            <a:bodyPr wrap="none" rtlCol="0">
+              <a:spAutoFit/>
+            </a:bodyPr>
+            <a:lstStyle/>
+            <a:p>
+              <a:r>
+                <a:rPr lang="en-US" sz="1400" i="1" dirty="0">
+                  <a:latin typeface="Gill Sans MT" panose="020B0502020104020203" pitchFamily="34" charset="0"/>
+                </a:rPr>
+                <a:t>Qi et al. (2018)</a:t>
+              </a:r>
+            </a:p>
+          </p:txBody>
+        </p:sp>
+      </p:grpSp>
+      <p:grpSp>
+        <p:nvGrpSpPr>
+          <p:cNvPr id="9" name="Group 8">
+            <a:extLst>
+              <a:ext uri="{FF2B5EF4-FFF2-40B4-BE49-F238E27FC236}">
+                <a16:creationId xmlns:a16="http://schemas.microsoft.com/office/drawing/2014/main" id="{0D2FFECA-84EB-454C-BA6D-02D7CD667D22}"/>
+              </a:ext>
+            </a:extLst>
+          </p:cNvPr>
+          <p:cNvGrpSpPr/>
+          <p:nvPr/>
+        </p:nvGrpSpPr>
+        <p:grpSpPr>
+          <a:xfrm>
+            <a:off x="5603630" y="1310325"/>
+            <a:ext cx="4845538" cy="1643063"/>
+            <a:chOff x="5650523" y="1151739"/>
+            <a:chExt cx="4845538" cy="1643063"/>
+          </a:xfrm>
+        </p:grpSpPr>
+        <p:pic>
+          <p:nvPicPr>
+            <p:cNvPr id="8" name="Picture 7">
+              <a:extLst>
+                <a:ext uri="{FF2B5EF4-FFF2-40B4-BE49-F238E27FC236}">
+                  <a16:creationId xmlns:a16="http://schemas.microsoft.com/office/drawing/2014/main" id="{36C55959-0A05-4515-80D4-26B8FA7BC9F2}"/>
+                </a:ext>
+              </a:extLst>
+            </p:cNvPr>
+            <p:cNvPicPr>
+              <a:picLocks noChangeAspect="1"/>
+            </p:cNvPicPr>
+            <p:nvPr/>
+          </p:nvPicPr>
+          <p:blipFill>
+            <a:blip r:embed="rId3"/>
+            <a:stretch>
+              <a:fillRect/>
+            </a:stretch>
+          </p:blipFill>
+          <p:spPr>
+            <a:xfrm>
+              <a:off x="5650523" y="1151739"/>
+              <a:ext cx="4845538" cy="1565699"/>
+            </a:xfrm>
+            <a:prstGeom prst="rect">
+              <a:avLst/>
+            </a:prstGeom>
+          </p:spPr>
+        </p:pic>
+        <p:sp>
+          <p:nvSpPr>
+            <p:cNvPr id="6" name="TextBox 5">
+              <a:extLst>
+                <a:ext uri="{FF2B5EF4-FFF2-40B4-BE49-F238E27FC236}">
+                  <a16:creationId xmlns:a16="http://schemas.microsoft.com/office/drawing/2014/main" id="{A9F12FB9-FD59-456D-9518-142FEEF0FD2B}"/>
+                </a:ext>
+              </a:extLst>
+            </p:cNvPr>
+            <p:cNvSpPr txBox="1"/>
+            <p:nvPr/>
+          </p:nvSpPr>
+          <p:spPr>
+            <a:xfrm>
+              <a:off x="6237140" y="2487025"/>
+              <a:ext cx="1226298" cy="307777"/>
+            </a:xfrm>
+            <a:prstGeom prst="rect">
+              <a:avLst/>
+            </a:prstGeom>
+            <a:noFill/>
+          </p:spPr>
+          <p:txBody>
+            <a:bodyPr wrap="none" rtlCol="0">
+              <a:spAutoFit/>
+            </a:bodyPr>
+            <a:lstStyle/>
+            <a:p>
+              <a:r>
+                <a:rPr lang="en-US" sz="1400" i="1" dirty="0">
+                  <a:latin typeface="Gill Sans MT" panose="020B0502020104020203" pitchFamily="34" charset="0"/>
+                </a:rPr>
+                <a:t>Qi et al. (2017)</a:t>
+              </a:r>
+            </a:p>
+          </p:txBody>
+        </p:sp>
+      </p:grpSp>
     </p:spTree>
     <p:extLst>
       <p:ext uri="{BB962C8B-B14F-4D97-AF65-F5344CB8AC3E}">

--- a/images/teaser.pptx
+++ b/images/teaser.pptx
@@ -3416,94 +3416,6 @@
           </p:txBody>
         </p:sp>
       </p:grpSp>
-      <p:grpSp>
-        <p:nvGrpSpPr>
-          <p:cNvPr id="9" name="Group 8">
-            <a:extLst>
-              <a:ext uri="{FF2B5EF4-FFF2-40B4-BE49-F238E27FC236}">
-                <a16:creationId xmlns:a16="http://schemas.microsoft.com/office/drawing/2014/main" id="{0D2FFECA-84EB-454C-BA6D-02D7CD667D22}"/>
-              </a:ext>
-            </a:extLst>
-          </p:cNvPr>
-          <p:cNvGrpSpPr/>
-          <p:nvPr/>
-        </p:nvGrpSpPr>
-        <p:grpSpPr>
-          <a:xfrm>
-            <a:off x="5603630" y="1310325"/>
-            <a:ext cx="4845538" cy="1643063"/>
-            <a:chOff x="5650523" y="1151739"/>
-            <a:chExt cx="4845538" cy="1643063"/>
-          </a:xfrm>
-        </p:grpSpPr>
-        <p:pic>
-          <p:nvPicPr>
-            <p:cNvPr id="8" name="Picture 7">
-              <a:extLst>
-                <a:ext uri="{FF2B5EF4-FFF2-40B4-BE49-F238E27FC236}">
-                  <a16:creationId xmlns:a16="http://schemas.microsoft.com/office/drawing/2014/main" id="{36C55959-0A05-4515-80D4-26B8FA7BC9F2}"/>
-                </a:ext>
-              </a:extLst>
-            </p:cNvPr>
-            <p:cNvPicPr>
-              <a:picLocks noChangeAspect="1"/>
-            </p:cNvPicPr>
-            <p:nvPr/>
-          </p:nvPicPr>
-          <p:blipFill>
-            <a:blip r:embed="rId3"/>
-            <a:stretch>
-              <a:fillRect/>
-            </a:stretch>
-          </p:blipFill>
-          <p:spPr>
-            <a:xfrm>
-              <a:off x="5650523" y="1151739"/>
-              <a:ext cx="4845538" cy="1565699"/>
-            </a:xfrm>
-            <a:prstGeom prst="rect">
-              <a:avLst/>
-            </a:prstGeom>
-          </p:spPr>
-        </p:pic>
-        <p:sp>
-          <p:nvSpPr>
-            <p:cNvPr id="6" name="TextBox 5">
-              <a:extLst>
-                <a:ext uri="{FF2B5EF4-FFF2-40B4-BE49-F238E27FC236}">
-                  <a16:creationId xmlns:a16="http://schemas.microsoft.com/office/drawing/2014/main" id="{A9F12FB9-FD59-456D-9518-142FEEF0FD2B}"/>
-                </a:ext>
-              </a:extLst>
-            </p:cNvPr>
-            <p:cNvSpPr txBox="1"/>
-            <p:nvPr/>
-          </p:nvSpPr>
-          <p:spPr>
-            <a:xfrm>
-              <a:off x="6237140" y="2487025"/>
-              <a:ext cx="1226298" cy="307777"/>
-            </a:xfrm>
-            <a:prstGeom prst="rect">
-              <a:avLst/>
-            </a:prstGeom>
-            <a:noFill/>
-          </p:spPr>
-          <p:txBody>
-            <a:bodyPr wrap="none" rtlCol="0">
-              <a:spAutoFit/>
-            </a:bodyPr>
-            <a:lstStyle/>
-            <a:p>
-              <a:r>
-                <a:rPr lang="en-US" sz="1400" i="1" dirty="0">
-                  <a:latin typeface="Gill Sans MT" panose="020B0502020104020203" pitchFamily="34" charset="0"/>
-                </a:rPr>
-                <a:t>Qi et al. (2017)</a:t>
-              </a:r>
-            </a:p>
-          </p:txBody>
-        </p:sp>
-      </p:grpSp>
     </p:spTree>
     <p:extLst>
       <p:ext uri="{BB962C8B-B14F-4D97-AF65-F5344CB8AC3E}">

--- a/images/teaser.pptx
+++ b/images/teaser.pptx
@@ -3416,6 +3416,200 @@
           </p:txBody>
         </p:sp>
       </p:grpSp>
+      <p:grpSp>
+        <p:nvGrpSpPr>
+          <p:cNvPr id="17" name="Group 16">
+            <a:extLst>
+              <a:ext uri="{FF2B5EF4-FFF2-40B4-BE49-F238E27FC236}">
+                <a16:creationId xmlns:a16="http://schemas.microsoft.com/office/drawing/2014/main" id="{EF17BD0B-8A33-4B65-8B3C-A240924AEABC}"/>
+              </a:ext>
+            </a:extLst>
+          </p:cNvPr>
+          <p:cNvGrpSpPr/>
+          <p:nvPr/>
+        </p:nvGrpSpPr>
+        <p:grpSpPr>
+          <a:xfrm>
+            <a:off x="5587900" y="1310325"/>
+            <a:ext cx="2773675" cy="3625858"/>
+            <a:chOff x="5587900" y="1310325"/>
+            <a:chExt cx="2773675" cy="3625858"/>
+          </a:xfrm>
+        </p:grpSpPr>
+        <p:pic>
+          <p:nvPicPr>
+            <p:cNvPr id="11" name="Picture 10">
+              <a:extLst>
+                <a:ext uri="{FF2B5EF4-FFF2-40B4-BE49-F238E27FC236}">
+                  <a16:creationId xmlns:a16="http://schemas.microsoft.com/office/drawing/2014/main" id="{B9BBE4BA-239D-43EA-A7D4-AA223847D72A}"/>
+                </a:ext>
+              </a:extLst>
+            </p:cNvPr>
+            <p:cNvPicPr>
+              <a:picLocks noChangeAspect="1"/>
+            </p:cNvPicPr>
+            <p:nvPr/>
+          </p:nvPicPr>
+          <p:blipFill>
+            <a:blip r:embed="rId3"/>
+            <a:stretch>
+              <a:fillRect/>
+            </a:stretch>
+          </p:blipFill>
+          <p:spPr>
+            <a:xfrm>
+              <a:off x="5587900" y="1310325"/>
+              <a:ext cx="2773675" cy="3260590"/>
+            </a:xfrm>
+            <a:prstGeom prst="rect">
+              <a:avLst/>
+            </a:prstGeom>
+          </p:spPr>
+        </p:pic>
+        <p:sp>
+          <p:nvSpPr>
+            <p:cNvPr id="13" name="TextBox 12">
+              <a:extLst>
+                <a:ext uri="{FF2B5EF4-FFF2-40B4-BE49-F238E27FC236}">
+                  <a16:creationId xmlns:a16="http://schemas.microsoft.com/office/drawing/2014/main" id="{C73F0D9F-77D3-4884-B10E-6FF94F1A37F2}"/>
+                </a:ext>
+              </a:extLst>
+            </p:cNvPr>
+            <p:cNvSpPr txBox="1"/>
+            <p:nvPr/>
+          </p:nvSpPr>
+          <p:spPr>
+            <a:xfrm>
+              <a:off x="6014378" y="4628406"/>
+              <a:ext cx="1920719" cy="307777"/>
+            </a:xfrm>
+            <a:prstGeom prst="rect">
+              <a:avLst/>
+            </a:prstGeom>
+            <a:solidFill>
+              <a:schemeClr val="bg1"/>
+            </a:solidFill>
+          </p:spPr>
+          <p:txBody>
+            <a:bodyPr wrap="none" rtlCol="0">
+              <a:spAutoFit/>
+            </a:bodyPr>
+            <a:lstStyle/>
+            <a:p>
+              <a:r>
+                <a:rPr lang="en-US" sz="1400" i="1" dirty="0" err="1">
+                  <a:latin typeface="Gill Sans MT" panose="020B0502020104020203" pitchFamily="34" charset="0"/>
+                </a:rPr>
+                <a:t>Rehg</a:t>
+              </a:r>
+              <a:r>
+                <a:rPr lang="en-US" sz="1400" i="1" dirty="0">
+                  <a:latin typeface="Gill Sans MT" panose="020B0502020104020203" pitchFamily="34" charset="0"/>
+                </a:rPr>
+                <a:t> and </a:t>
+              </a:r>
+              <a:r>
+                <a:rPr lang="en-US" sz="1400" i="1" dirty="0" err="1">
+                  <a:latin typeface="Gill Sans MT" panose="020B0502020104020203" pitchFamily="34" charset="0"/>
+                </a:rPr>
+                <a:t>Kanade</a:t>
+              </a:r>
+              <a:r>
+                <a:rPr lang="en-US" sz="1400" i="1" dirty="0">
+                  <a:latin typeface="Gill Sans MT" panose="020B0502020104020203" pitchFamily="34" charset="0"/>
+                </a:rPr>
+                <a:t> (1994)</a:t>
+              </a:r>
+            </a:p>
+          </p:txBody>
+        </p:sp>
+      </p:grpSp>
+      <p:pic>
+        <p:nvPicPr>
+          <p:cNvPr id="1026" name="Picture 2">
+            <a:extLst>
+              <a:ext uri="{FF2B5EF4-FFF2-40B4-BE49-F238E27FC236}">
+                <a16:creationId xmlns:a16="http://schemas.microsoft.com/office/drawing/2014/main" id="{C27BBB8B-6B12-4325-AFC6-CE493BFFF967}"/>
+              </a:ext>
+            </a:extLst>
+          </p:cNvPr>
+          <p:cNvPicPr>
+            <a:picLocks noChangeAspect="1" noChangeArrowheads="1"/>
+          </p:cNvPicPr>
+          <p:nvPr/>
+        </p:nvPicPr>
+        <p:blipFill>
+          <a:blip r:embed="rId4">
+            <a:extLst>
+              <a:ext uri="{28A0092B-C50C-407E-A947-70E740481C1C}">
+                <a14:useLocalDpi xmlns:a14="http://schemas.microsoft.com/office/drawing/2010/main" val="0"/>
+              </a:ext>
+            </a:extLst>
+          </a:blip>
+          <a:srcRect/>
+          <a:stretch>
+            <a:fillRect/>
+          </a:stretch>
+        </p:blipFill>
+        <p:spPr bwMode="auto">
+          <a:xfrm>
+            <a:off x="903137" y="3129731"/>
+            <a:ext cx="4485469" cy="1806452"/>
+          </a:xfrm>
+          <a:prstGeom prst="rect">
+            <a:avLst/>
+          </a:prstGeom>
+          <a:noFill/>
+          <a:extLst>
+            <a:ext uri="{909E8E84-426E-40DD-AFC4-6F175D3DCCD1}">
+              <a14:hiddenFill xmlns:a14="http://schemas.microsoft.com/office/drawing/2010/main">
+                <a:solidFill>
+                  <a:srgbClr val="FFFFFF"/>
+                </a:solidFill>
+              </a14:hiddenFill>
+            </a:ext>
+          </a:extLst>
+        </p:spPr>
+      </p:pic>
+      <p:sp>
+        <p:nvSpPr>
+          <p:cNvPr id="15" name="TextBox 14">
+            <a:extLst>
+              <a:ext uri="{FF2B5EF4-FFF2-40B4-BE49-F238E27FC236}">
+                <a16:creationId xmlns:a16="http://schemas.microsoft.com/office/drawing/2014/main" id="{44B84A47-055B-4B12-A587-B7ACCF5F54B2}"/>
+              </a:ext>
+            </a:extLst>
+          </p:cNvPr>
+          <p:cNvSpPr txBox="1"/>
+          <p:nvPr/>
+        </p:nvSpPr>
+        <p:spPr>
+          <a:xfrm>
+            <a:off x="903137" y="4628406"/>
+            <a:ext cx="1340110" cy="307777"/>
+          </a:xfrm>
+          <a:prstGeom prst="rect">
+            <a:avLst/>
+          </a:prstGeom>
+          <a:solidFill>
+            <a:schemeClr val="bg1"/>
+          </a:solidFill>
+        </p:spPr>
+        <p:txBody>
+          <a:bodyPr wrap="none" rtlCol="0">
+            <a:spAutoFit/>
+          </a:bodyPr>
+          <a:lstStyle/>
+          <a:p>
+            <a:r>
+              <a:rPr lang="en-US" sz="1400" i="1" dirty="0">
+                <a:latin typeface="Gill Sans MT" panose="020B0502020104020203" pitchFamily="34" charset="0"/>
+              </a:rPr>
+              <a:t>Cao et al. (2018)</a:t>
+            </a:r>
+          </a:p>
+        </p:txBody>
+      </p:sp>
     </p:spTree>
     <p:extLst>
       <p:ext uri="{BB962C8B-B14F-4D97-AF65-F5344CB8AC3E}">
